--- a/08.  Models in Django/06-Models-in-Django.pptx
+++ b/08.  Models in Django/06-Models-in-Django.pptx
@@ -370,7 +370,7 @@
           <a:p>
             <a:fld id="{4E087215-0C8F-4762-A664-737A353EC9A4}" type="datetimeFigureOut">
               <a:rPr lang="bg-BG" smtClean="0"/>
-              <a:t>6.1.2022 г.</a:t>
+              <a:t>17.5.2023 г.</a:t>
             </a:fld>
             <a:endParaRPr lang="bg-BG"/>
           </a:p>
@@ -561,7 +561,7 @@
           <a:p>
             <a:fld id="{72D84649-876A-46C9-8472-14CB09C070D8}" type="datetimeFigureOut">
               <a:rPr lang="en-US" smtClean="0"/>
-              <a:t>1/6/2022</a:t>
+              <a:t>5/17/2023</a:t>
             </a:fld>
             <a:endParaRPr lang="en-US"/>
           </a:p>
@@ -43803,21 +43803,6 @@
 </file>
 
 <file path=customXml/item1.xml><?xml version="1.0" encoding="utf-8"?>
-<p:properties xmlns:p="http://schemas.microsoft.com/office/2006/metadata/properties" xmlns:xsi="http://www.w3.org/2001/XMLSchema-instance" xmlns:pc="http://schemas.microsoft.com/office/infopath/2007/PartnerControls">
-  <documentManagement/>
-</p:properties>
-</file>
-
-<file path=customXml/item2.xml><?xml version="1.0" encoding="utf-8"?>
-<?mso-contentType ?>
-<FormTemplates xmlns="http://schemas.microsoft.com/sharepoint/v3/contenttype/forms">
-  <Display>DocumentLibraryForm</Display>
-  <Edit>DocumentLibraryForm</Edit>
-  <New>DocumentLibraryForm</New>
-</FormTemplates>
-</file>
-
-<file path=customXml/item3.xml><?xml version="1.0" encoding="utf-8"?>
 <ct:contentTypeSchema xmlns:ct="http://schemas.microsoft.com/office/2006/metadata/contentType" xmlns:ma="http://schemas.microsoft.com/office/2006/metadata/properties/metaAttributes" ct:_="" ma:_="" ma:contentTypeName="Document" ma:contentTypeID="0x0101000D461FD2BAC48847BF71EA25093C87E2" ma:contentTypeVersion="2" ma:contentTypeDescription="Create a new document." ma:contentTypeScope="" ma:versionID="2de9411e898187ae4fbc1c307cff5cee">
   <xsd:schema xmlns:xsd="http://www.w3.org/2001/XMLSchema" xmlns:xs="http://www.w3.org/2001/XMLSchema" xmlns:p="http://schemas.microsoft.com/office/2006/metadata/properties" xmlns:ns2="b1da4528-fe13-414f-b133-a49aeaaa47fa" targetNamespace="http://schemas.microsoft.com/office/2006/metadata/properties" ma:root="true" ma:fieldsID="f62062ac03ec282dc182e15a36aa4377" ns2:_="">
     <xsd:import namespace="b1da4528-fe13-414f-b133-a49aeaaa47fa"/>
@@ -43949,7 +43934,40 @@
 </ct:contentTypeSchema>
 </file>
 
+<file path=customXml/item2.xml><?xml version="1.0" encoding="utf-8"?>
+<p:properties xmlns:p="http://schemas.microsoft.com/office/2006/metadata/properties" xmlns:xsi="http://www.w3.org/2001/XMLSchema-instance" xmlns:pc="http://schemas.microsoft.com/office/infopath/2007/PartnerControls">
+  <documentManagement/>
+</p:properties>
+</file>
+
+<file path=customXml/item3.xml><?xml version="1.0" encoding="utf-8"?>
+<?mso-contentType ?>
+<FormTemplates xmlns="http://schemas.microsoft.com/sharepoint/v3/contenttype/forms">
+  <Display>DocumentLibraryForm</Display>
+  <Edit>DocumentLibraryForm</Edit>
+  <New>DocumentLibraryForm</New>
+</FormTemplates>
+</file>
+
 <file path=customXml/itemProps1.xml><?xml version="1.0" encoding="utf-8"?>
+<ds:datastoreItem xmlns:ds="http://schemas.openxmlformats.org/officeDocument/2006/customXml" ds:itemID="{627308B3-F487-4D56-B07B-F176FBB10875}">
+  <ds:schemaRefs>
+    <ds:schemaRef ds:uri="http://schemas.microsoft.com/office/2006/metadata/contentType"/>
+    <ds:schemaRef ds:uri="http://schemas.microsoft.com/office/2006/metadata/properties/metaAttributes"/>
+    <ds:schemaRef ds:uri="http://www.w3.org/2001/XMLSchema"/>
+    <ds:schemaRef ds:uri="http://schemas.microsoft.com/office/2006/metadata/properties"/>
+    <ds:schemaRef ds:uri="b1da4528-fe13-414f-b133-a49aeaaa47fa"/>
+    <ds:schemaRef ds:uri="http://schemas.microsoft.com/office/2006/documentManagement/types"/>
+    <ds:schemaRef ds:uri="http://schemas.microsoft.com/office/infopath/2007/PartnerControls"/>
+    <ds:schemaRef ds:uri="http://schemas.openxmlformats.org/package/2006/metadata/core-properties"/>
+    <ds:schemaRef ds:uri="http://purl.org/dc/elements/1.1/"/>
+    <ds:schemaRef ds:uri="http://purl.org/dc/terms/"/>
+    <ds:schemaRef ds:uri="http://schemas.microsoft.com/internal/obd"/>
+  </ds:schemaRefs>
+</ds:datastoreItem>
+</file>
+
+<file path=customXml/itemProps2.xml><?xml version="1.0" encoding="utf-8"?>
 <ds:datastoreItem xmlns:ds="http://schemas.openxmlformats.org/officeDocument/2006/customXml" ds:itemID="{766DA865-5C6B-4888-897A-02A06D062434}">
   <ds:schemaRefs>
     <ds:schemaRef ds:uri="http://purl.org/dc/terms/"/>
@@ -43965,28 +43983,10 @@
 </ds:datastoreItem>
 </file>
 
-<file path=customXml/itemProps2.xml><?xml version="1.0" encoding="utf-8"?>
+<file path=customXml/itemProps3.xml><?xml version="1.0" encoding="utf-8"?>
 <ds:datastoreItem xmlns:ds="http://schemas.openxmlformats.org/officeDocument/2006/customXml" ds:itemID="{90A418E2-2F68-4E50-9021-E119F41719CB}">
   <ds:schemaRefs>
     <ds:schemaRef ds:uri="http://schemas.microsoft.com/sharepoint/v3/contenttype/forms"/>
   </ds:schemaRefs>
 </ds:datastoreItem>
-</file>
-
-<file path=customXml/itemProps3.xml><?xml version="1.0" encoding="utf-8"?>
-<ds:datastoreItem xmlns:ds="http://schemas.openxmlformats.org/officeDocument/2006/customXml" ds:itemID="{627308B3-F487-4D56-B07B-F176FBB10875}">
-  <ds:schemaRefs>
-    <ds:schemaRef ds:uri="http://schemas.microsoft.com/office/2006/metadata/contentType"/>
-    <ds:schemaRef ds:uri="http://schemas.microsoft.com/office/2006/metadata/properties/metaAttributes"/>
-    <ds:schemaRef ds:uri="http://www.w3.org/2001/XMLSchema"/>
-    <ds:schemaRef ds:uri="http://schemas.microsoft.com/office/2006/metadata/properties"/>
-    <ds:schemaRef ds:uri="b1da4528-fe13-414f-b133-a49aeaaa47fa"/>
-    <ds:schemaRef ds:uri="http://schemas.microsoft.com/office/2006/documentManagement/types"/>
-    <ds:schemaRef ds:uri="http://schemas.microsoft.com/office/infopath/2007/PartnerControls"/>
-    <ds:schemaRef ds:uri="http://schemas.openxmlformats.org/package/2006/metadata/core-properties"/>
-    <ds:schemaRef ds:uri="http://purl.org/dc/elements/1.1/"/>
-    <ds:schemaRef ds:uri="http://purl.org/dc/terms/"/>
-    <ds:schemaRef ds:uri="http://schemas.microsoft.com/internal/obd"/>
-  </ds:schemaRefs>
-</ds:datastoreItem>
 </file>